--- a/Дипломная.pptx
+++ b/Дипломная.pptx
@@ -8956,10 +8956,10 @@
       </p:sp>
       <p:pic>
         <p:nvPicPr>
-          <p:cNvPr id="6" name="Рисунок 5">
+          <p:cNvPr id="5" name="Рисунок 4">
             <a:extLst>
               <a:ext uri="{FF2B5EF4-FFF2-40B4-BE49-F238E27FC236}">
-                <a16:creationId xmlns:a16="http://schemas.microsoft.com/office/drawing/2014/main" id="{2469DD57-0F78-4E40-8E42-67C8EE640C82}"/>
+                <a16:creationId xmlns:a16="http://schemas.microsoft.com/office/drawing/2014/main" id="{D98795B0-155C-4EA1-99DD-8FFA3E5FCF03}"/>
               </a:ext>
             </a:extLst>
           </p:cNvPr>
@@ -8976,8 +8976,8 @@
         </p:blipFill>
         <p:spPr>
           <a:xfrm>
-            <a:off x="978023" y="1592705"/>
-            <a:ext cx="10235953" cy="4869449"/>
+            <a:off x="1597307" y="1492393"/>
+            <a:ext cx="8997385" cy="5117031"/>
           </a:xfrm>
           <a:prstGeom prst="rect">
             <a:avLst/>
